--- a/願主愛圍繞您.pptx
+++ b/願主愛圍繞您.pptx
@@ -9,7 +9,7 @@
     <p:sldId id="257" r:id="rId3"/>
     <p:sldId id="258" r:id="rId4"/>
   </p:sldIdLst>
-  <p:sldSz cx="9144000" cy="6858000" type="screen4x3"/>
+  <p:sldSz cx="9144000" cy="5143500" type="screen16x9"/>
   <p:notesSz cx="6858000" cy="9144000"/>
   <p:defaultTextStyle>
     <a:defPPr>
@@ -138,8 +138,8 @@
         </p:nvSpPr>
         <p:spPr>
           <a:xfrm>
-            <a:off x="685800" y="2130425"/>
-            <a:ext cx="7772400" cy="1470025"/>
+            <a:off x="685800" y="1597819"/>
+            <a:ext cx="7772400" cy="1102519"/>
           </a:xfrm>
         </p:spPr>
         <p:txBody>
@@ -166,8 +166,8 @@
         </p:nvSpPr>
         <p:spPr>
           <a:xfrm>
-            <a:off x="1371600" y="3886200"/>
-            <a:ext cx="6400800" cy="1752600"/>
+            <a:off x="1371600" y="2914650"/>
+            <a:ext cx="6400800" cy="1314450"/>
           </a:xfrm>
         </p:spPr>
         <p:txBody>
@@ -291,7 +291,7 @@
             <a:fld id="{3664A2A4-4052-4535-9CAE-3F23A4F1A18C}" type="datetimeFigureOut">
               <a:rPr lang="zh-TW" altLang="en-US" smtClean="0"/>
               <a:pPr/>
-              <a:t>2018/6/8</a:t>
+              <a:t>2019/9/7</a:t>
             </a:fld>
             <a:endParaRPr lang="zh-TW" altLang="en-US"/>
           </a:p>
@@ -458,7 +458,7 @@
             <a:fld id="{3664A2A4-4052-4535-9CAE-3F23A4F1A18C}" type="datetimeFigureOut">
               <a:rPr lang="zh-TW" altLang="en-US" smtClean="0"/>
               <a:pPr/>
-              <a:t>2018/6/8</a:t>
+              <a:t>2019/9/7</a:t>
             </a:fld>
             <a:endParaRPr lang="zh-TW" altLang="en-US"/>
           </a:p>
@@ -544,8 +544,8 @@
         </p:nvSpPr>
         <p:spPr>
           <a:xfrm>
-            <a:off x="6629400" y="274638"/>
-            <a:ext cx="2057400" cy="5851525"/>
+            <a:off x="6629400" y="205979"/>
+            <a:ext cx="2057400" cy="4388644"/>
           </a:xfrm>
         </p:spPr>
         <p:txBody>
@@ -572,8 +572,8 @@
         </p:nvSpPr>
         <p:spPr>
           <a:xfrm>
-            <a:off x="457200" y="274638"/>
-            <a:ext cx="6019800" cy="5851525"/>
+            <a:off x="457200" y="205979"/>
+            <a:ext cx="6019800" cy="4388644"/>
           </a:xfrm>
         </p:spPr>
         <p:txBody>
@@ -635,7 +635,7 @@
             <a:fld id="{3664A2A4-4052-4535-9CAE-3F23A4F1A18C}" type="datetimeFigureOut">
               <a:rPr lang="zh-TW" altLang="en-US" smtClean="0"/>
               <a:pPr/>
-              <a:t>2018/6/8</a:t>
+              <a:t>2019/9/7</a:t>
             </a:fld>
             <a:endParaRPr lang="zh-TW" altLang="en-US"/>
           </a:p>
@@ -802,7 +802,7 @@
             <a:fld id="{3664A2A4-4052-4535-9CAE-3F23A4F1A18C}" type="datetimeFigureOut">
               <a:rPr lang="zh-TW" altLang="en-US" smtClean="0"/>
               <a:pPr/>
-              <a:t>2018/6/8</a:t>
+              <a:t>2019/9/7</a:t>
             </a:fld>
             <a:endParaRPr lang="zh-TW" altLang="en-US"/>
           </a:p>
@@ -888,8 +888,8 @@
         </p:nvSpPr>
         <p:spPr>
           <a:xfrm>
-            <a:off x="722313" y="4406900"/>
-            <a:ext cx="7772400" cy="1362075"/>
+            <a:off x="722313" y="3305176"/>
+            <a:ext cx="7772400" cy="1021556"/>
           </a:xfrm>
         </p:spPr>
         <p:txBody>
@@ -920,8 +920,8 @@
         </p:nvSpPr>
         <p:spPr>
           <a:xfrm>
-            <a:off x="722313" y="2906713"/>
-            <a:ext cx="7772400" cy="1500187"/>
+            <a:off x="722313" y="2180035"/>
+            <a:ext cx="7772400" cy="1125140"/>
           </a:xfrm>
         </p:spPr>
         <p:txBody>
@@ -1045,7 +1045,7 @@
             <a:fld id="{3664A2A4-4052-4535-9CAE-3F23A4F1A18C}" type="datetimeFigureOut">
               <a:rPr lang="zh-TW" altLang="en-US" smtClean="0"/>
               <a:pPr/>
-              <a:t>2018/6/8</a:t>
+              <a:t>2019/9/7</a:t>
             </a:fld>
             <a:endParaRPr lang="zh-TW" altLang="en-US"/>
           </a:p>
@@ -1154,8 +1154,8 @@
         </p:nvSpPr>
         <p:spPr>
           <a:xfrm>
-            <a:off x="457200" y="1600200"/>
-            <a:ext cx="4038600" cy="4525963"/>
+            <a:off x="457200" y="1200151"/>
+            <a:ext cx="4038600" cy="3394472"/>
           </a:xfrm>
         </p:spPr>
         <p:txBody>
@@ -1239,8 +1239,8 @@
         </p:nvSpPr>
         <p:spPr>
           <a:xfrm>
-            <a:off x="4648200" y="1600200"/>
-            <a:ext cx="4038600" cy="4525963"/>
+            <a:off x="4648200" y="1200151"/>
+            <a:ext cx="4038600" cy="3394472"/>
           </a:xfrm>
         </p:spPr>
         <p:txBody>
@@ -1330,7 +1330,7 @@
             <a:fld id="{3664A2A4-4052-4535-9CAE-3F23A4F1A18C}" type="datetimeFigureOut">
               <a:rPr lang="zh-TW" altLang="en-US" smtClean="0"/>
               <a:pPr/>
-              <a:t>2018/6/8</a:t>
+              <a:t>2019/9/7</a:t>
             </a:fld>
             <a:endParaRPr lang="zh-TW" altLang="en-US"/>
           </a:p>
@@ -1443,8 +1443,8 @@
         </p:nvSpPr>
         <p:spPr>
           <a:xfrm>
-            <a:off x="457200" y="1535113"/>
-            <a:ext cx="4040188" cy="639762"/>
+            <a:off x="457200" y="1151335"/>
+            <a:ext cx="4040188" cy="479822"/>
           </a:xfrm>
         </p:spPr>
         <p:txBody>
@@ -1508,8 +1508,8 @@
         </p:nvSpPr>
         <p:spPr>
           <a:xfrm>
-            <a:off x="457200" y="2174875"/>
-            <a:ext cx="4040188" cy="3951288"/>
+            <a:off x="457200" y="1631156"/>
+            <a:ext cx="4040188" cy="2963466"/>
           </a:xfrm>
         </p:spPr>
         <p:txBody>
@@ -1593,8 +1593,8 @@
         </p:nvSpPr>
         <p:spPr>
           <a:xfrm>
-            <a:off x="4645025" y="1535113"/>
-            <a:ext cx="4041775" cy="639762"/>
+            <a:off x="4645026" y="1151335"/>
+            <a:ext cx="4041775" cy="479822"/>
           </a:xfrm>
         </p:spPr>
         <p:txBody>
@@ -1658,8 +1658,8 @@
         </p:nvSpPr>
         <p:spPr>
           <a:xfrm>
-            <a:off x="4645025" y="2174875"/>
-            <a:ext cx="4041775" cy="3951288"/>
+            <a:off x="4645026" y="1631156"/>
+            <a:ext cx="4041775" cy="2963466"/>
           </a:xfrm>
         </p:spPr>
         <p:txBody>
@@ -1749,7 +1749,7 @@
             <a:fld id="{3664A2A4-4052-4535-9CAE-3F23A4F1A18C}" type="datetimeFigureOut">
               <a:rPr lang="zh-TW" altLang="en-US" smtClean="0"/>
               <a:pPr/>
-              <a:t>2018/6/8</a:t>
+              <a:t>2019/9/7</a:t>
             </a:fld>
             <a:endParaRPr lang="zh-TW" altLang="en-US"/>
           </a:p>
@@ -1864,7 +1864,7 @@
             <a:fld id="{3664A2A4-4052-4535-9CAE-3F23A4F1A18C}" type="datetimeFigureOut">
               <a:rPr lang="zh-TW" altLang="en-US" smtClean="0"/>
               <a:pPr/>
-              <a:t>2018/6/8</a:t>
+              <a:t>2019/9/7</a:t>
             </a:fld>
             <a:endParaRPr lang="zh-TW" altLang="en-US"/>
           </a:p>
@@ -1956,7 +1956,7 @@
             <a:fld id="{3664A2A4-4052-4535-9CAE-3F23A4F1A18C}" type="datetimeFigureOut">
               <a:rPr lang="zh-TW" altLang="en-US" smtClean="0"/>
               <a:pPr/>
-              <a:t>2018/6/8</a:t>
+              <a:t>2019/9/7</a:t>
             </a:fld>
             <a:endParaRPr lang="zh-TW" altLang="en-US"/>
           </a:p>
@@ -2042,8 +2042,8 @@
         </p:nvSpPr>
         <p:spPr>
           <a:xfrm>
-            <a:off x="457200" y="273050"/>
-            <a:ext cx="3008313" cy="1162050"/>
+            <a:off x="457201" y="204787"/>
+            <a:ext cx="3008313" cy="871538"/>
           </a:xfrm>
         </p:spPr>
         <p:txBody>
@@ -2074,8 +2074,8 @@
         </p:nvSpPr>
         <p:spPr>
           <a:xfrm>
-            <a:off x="3575050" y="273050"/>
-            <a:ext cx="5111750" cy="5853113"/>
+            <a:off x="3575050" y="204788"/>
+            <a:ext cx="5111750" cy="4389835"/>
           </a:xfrm>
         </p:spPr>
         <p:txBody>
@@ -2159,8 +2159,8 @@
         </p:nvSpPr>
         <p:spPr>
           <a:xfrm>
-            <a:off x="457200" y="1435100"/>
-            <a:ext cx="3008313" cy="4691063"/>
+            <a:off x="457201" y="1076326"/>
+            <a:ext cx="3008313" cy="3518297"/>
           </a:xfrm>
         </p:spPr>
         <p:txBody>
@@ -2230,7 +2230,7 @@
             <a:fld id="{3664A2A4-4052-4535-9CAE-3F23A4F1A18C}" type="datetimeFigureOut">
               <a:rPr lang="zh-TW" altLang="en-US" smtClean="0"/>
               <a:pPr/>
-              <a:t>2018/6/8</a:t>
+              <a:t>2019/9/7</a:t>
             </a:fld>
             <a:endParaRPr lang="zh-TW" altLang="en-US"/>
           </a:p>
@@ -2316,8 +2316,8 @@
         </p:nvSpPr>
         <p:spPr>
           <a:xfrm>
-            <a:off x="1792288" y="4800600"/>
-            <a:ext cx="5486400" cy="566738"/>
+            <a:off x="1792288" y="3600450"/>
+            <a:ext cx="5486400" cy="425054"/>
           </a:xfrm>
         </p:spPr>
         <p:txBody>
@@ -2348,8 +2348,8 @@
         </p:nvSpPr>
         <p:spPr>
           <a:xfrm>
-            <a:off x="1792288" y="612775"/>
-            <a:ext cx="5486400" cy="4114800"/>
+            <a:off x="1792288" y="459581"/>
+            <a:ext cx="5486400" cy="3086100"/>
           </a:xfrm>
         </p:spPr>
         <p:txBody>
@@ -2413,8 +2413,8 @@
         </p:nvSpPr>
         <p:spPr>
           <a:xfrm>
-            <a:off x="1792288" y="5367338"/>
-            <a:ext cx="5486400" cy="804862"/>
+            <a:off x="1792288" y="4025503"/>
+            <a:ext cx="5486400" cy="603647"/>
           </a:xfrm>
         </p:spPr>
         <p:txBody>
@@ -2484,7 +2484,7 @@
             <a:fld id="{3664A2A4-4052-4535-9CAE-3F23A4F1A18C}" type="datetimeFigureOut">
               <a:rPr lang="zh-TW" altLang="en-US" smtClean="0"/>
               <a:pPr/>
-              <a:t>2018/6/8</a:t>
+              <a:t>2019/9/7</a:t>
             </a:fld>
             <a:endParaRPr lang="zh-TW" altLang="en-US"/>
           </a:p>
@@ -2580,8 +2580,8 @@
         </p:nvSpPr>
         <p:spPr>
           <a:xfrm>
-            <a:off x="457200" y="274638"/>
-            <a:ext cx="8229600" cy="1143000"/>
+            <a:off x="457200" y="205979"/>
+            <a:ext cx="8229600" cy="857250"/>
           </a:xfrm>
           <a:prstGeom prst="rect">
             <a:avLst/>
@@ -2613,8 +2613,8 @@
         </p:nvSpPr>
         <p:spPr>
           <a:xfrm>
-            <a:off x="457200" y="1600200"/>
-            <a:ext cx="8229600" cy="4525963"/>
+            <a:off x="457200" y="1200151"/>
+            <a:ext cx="8229600" cy="3394472"/>
           </a:xfrm>
           <a:prstGeom prst="rect">
             <a:avLst/>
@@ -2675,8 +2675,8 @@
         </p:nvSpPr>
         <p:spPr>
           <a:xfrm>
-            <a:off x="457200" y="6356350"/>
-            <a:ext cx="2133600" cy="365125"/>
+            <a:off x="457200" y="4767263"/>
+            <a:ext cx="2133600" cy="273844"/>
           </a:xfrm>
           <a:prstGeom prst="rect">
             <a:avLst/>
@@ -2699,7 +2699,7 @@
             <a:fld id="{3664A2A4-4052-4535-9CAE-3F23A4F1A18C}" type="datetimeFigureOut">
               <a:rPr lang="zh-TW" altLang="en-US" smtClean="0"/>
               <a:pPr/>
-              <a:t>2018/6/8</a:t>
+              <a:t>2019/9/7</a:t>
             </a:fld>
             <a:endParaRPr lang="zh-TW" altLang="en-US"/>
           </a:p>
@@ -2717,8 +2717,8 @@
         </p:nvSpPr>
         <p:spPr>
           <a:xfrm>
-            <a:off x="3124200" y="6356350"/>
-            <a:ext cx="2895600" cy="365125"/>
+            <a:off x="3124200" y="4767263"/>
+            <a:ext cx="2895600" cy="273844"/>
           </a:xfrm>
           <a:prstGeom prst="rect">
             <a:avLst/>
@@ -2754,8 +2754,8 @@
         </p:nvSpPr>
         <p:spPr>
           <a:xfrm>
-            <a:off x="6553200" y="6356350"/>
-            <a:ext cx="2133600" cy="365125"/>
+            <a:off x="6553200" y="4767263"/>
+            <a:ext cx="2133600" cy="273844"/>
           </a:xfrm>
           <a:prstGeom prst="rect">
             <a:avLst/>
@@ -3082,11 +3082,13 @@
         </p:nvSpPr>
         <p:spPr/>
         <p:txBody>
-          <a:bodyPr/>
-          <a:lstStyle/>
-          <a:p>
-            <a:r>
-              <a:rPr lang="zh-CN" altLang="en-US" b="1" dirty="0" smtClean="0">
+          <a:bodyPr>
+            <a:normAutofit/>
+          </a:bodyPr>
+          <a:lstStyle/>
+          <a:p>
+            <a:r>
+              <a:rPr lang="zh-CN" altLang="en-US" sz="4000" b="1" dirty="0" smtClean="0">
                 <a:solidFill>
                   <a:srgbClr val="000066"/>
                 </a:solidFill>
@@ -3095,7 +3097,7 @@
               </a:rPr>
               <a:t>願主愛圍繞您</a:t>
             </a:r>
-            <a:endParaRPr lang="zh-TW" altLang="en-US" b="1" dirty="0">
+            <a:endParaRPr lang="zh-TW" altLang="en-US" sz="4000" b="1" dirty="0">
               <a:solidFill>
                 <a:srgbClr val="000066"/>
               </a:solidFill>
@@ -3118,7 +3120,7 @@
         <p:spPr/>
         <p:txBody>
           <a:bodyPr>
-            <a:normAutofit/>
+            <a:noAutofit/>
           </a:bodyPr>
           <a:lstStyle/>
           <a:p>
@@ -3126,7 +3128,7 @@
               <a:buNone/>
             </a:pPr>
             <a:r>
-              <a:rPr lang="zh-TW" altLang="en-US" sz="5400" b="1" dirty="0">
+              <a:rPr lang="zh-TW" altLang="en-US" sz="4800" b="1" dirty="0">
                 <a:solidFill>
                   <a:srgbClr val="000066"/>
                 </a:solidFill>
@@ -3136,7 +3138,7 @@
               <a:t>願天父上帝的</a:t>
             </a:r>
             <a:r>
-              <a:rPr lang="zh-TW" altLang="en-US" sz="5400" b="1" dirty="0" smtClean="0">
+              <a:rPr lang="zh-TW" altLang="en-US" sz="4800" b="1" dirty="0" smtClean="0">
                 <a:solidFill>
                   <a:srgbClr val="000066"/>
                 </a:solidFill>
@@ -3145,7 +3147,7 @@
               </a:rPr>
               <a:t>慈愛</a:t>
             </a:r>
-            <a:endParaRPr lang="en-US" altLang="zh-TW" sz="5400" b="1" dirty="0" smtClean="0">
+            <a:endParaRPr lang="en-US" altLang="zh-TW" sz="4800" b="1" dirty="0" smtClean="0">
               <a:solidFill>
                 <a:srgbClr val="000066"/>
               </a:solidFill>
@@ -3158,7 +3160,7 @@
               <a:buNone/>
             </a:pPr>
             <a:r>
-              <a:rPr lang="zh-TW" altLang="en-US" sz="5400" b="1" dirty="0" smtClean="0">
+              <a:rPr lang="zh-TW" altLang="en-US" sz="4800" b="1" dirty="0" smtClean="0">
                 <a:solidFill>
                   <a:srgbClr val="000066"/>
                 </a:solidFill>
@@ -3168,7 +3170,7 @@
               <a:t>常</a:t>
             </a:r>
             <a:r>
-              <a:rPr lang="zh-TW" altLang="en-US" sz="5400" b="1" dirty="0">
+              <a:rPr lang="zh-TW" altLang="en-US" sz="4800" b="1" dirty="0">
                 <a:solidFill>
                   <a:srgbClr val="000066"/>
                 </a:solidFill>
@@ -3178,7 +3180,7 @@
               <a:t>與您們同</a:t>
             </a:r>
             <a:r>
-              <a:rPr lang="zh-TW" altLang="en-US" sz="5400" b="1" dirty="0" smtClean="0">
+              <a:rPr lang="zh-TW" altLang="en-US" sz="4800" b="1" dirty="0" smtClean="0">
                 <a:solidFill>
                   <a:srgbClr val="000066"/>
                 </a:solidFill>
@@ -3187,7 +3189,7 @@
               </a:rPr>
               <a:t>在</a:t>
             </a:r>
-            <a:endParaRPr lang="en-US" altLang="zh-TW" sz="5400" b="1" dirty="0">
+            <a:endParaRPr lang="en-US" altLang="zh-TW" sz="4800" b="1" dirty="0">
               <a:solidFill>
                 <a:srgbClr val="000066"/>
               </a:solidFill>
@@ -3200,7 +3202,7 @@
               <a:buNone/>
             </a:pPr>
             <a:r>
-              <a:rPr lang="zh-TW" altLang="en-US" sz="5400" b="1" dirty="0" smtClean="0">
+              <a:rPr lang="zh-TW" altLang="en-US" sz="4800" b="1" dirty="0" smtClean="0">
                 <a:solidFill>
                   <a:srgbClr val="000066"/>
                 </a:solidFill>
@@ -3210,7 +3212,7 @@
               <a:t>願</a:t>
             </a:r>
             <a:r>
-              <a:rPr lang="zh-TW" altLang="en-US" sz="5400" b="1" dirty="0">
+              <a:rPr lang="zh-TW" altLang="en-US" sz="4800" b="1" dirty="0">
                 <a:solidFill>
                   <a:srgbClr val="000066"/>
                 </a:solidFill>
@@ -3220,7 +3222,7 @@
               <a:t>平安恩惠天天加給</a:t>
             </a:r>
             <a:r>
-              <a:rPr lang="zh-TW" altLang="en-US" sz="5400" b="1" dirty="0" smtClean="0">
+              <a:rPr lang="zh-TW" altLang="en-US" sz="4800" b="1" dirty="0" smtClean="0">
                 <a:solidFill>
                   <a:srgbClr val="000066"/>
                 </a:solidFill>
@@ -3229,7 +3231,7 @@
               </a:rPr>
               <a:t>您</a:t>
             </a:r>
-            <a:endParaRPr lang="en-US" altLang="zh-TW" sz="5400" b="1" dirty="0" smtClean="0">
+            <a:endParaRPr lang="en-US" altLang="zh-TW" sz="4800" b="1" dirty="0" smtClean="0">
               <a:solidFill>
                 <a:srgbClr val="000066"/>
               </a:solidFill>
@@ -3242,7 +3244,7 @@
               <a:buNone/>
             </a:pPr>
             <a:r>
-              <a:rPr lang="zh-TW" altLang="en-US" sz="5400" b="1" dirty="0" smtClean="0">
+              <a:rPr lang="zh-TW" altLang="en-US" sz="4800" b="1" dirty="0" smtClean="0">
                 <a:solidFill>
                   <a:srgbClr val="000066"/>
                 </a:solidFill>
@@ -3252,7 +3254,7 @@
               <a:t>喜樂</a:t>
             </a:r>
             <a:r>
-              <a:rPr lang="zh-TW" altLang="en-US" sz="5400" b="1" dirty="0">
+              <a:rPr lang="zh-TW" altLang="en-US" sz="4800" b="1" dirty="0">
                 <a:solidFill>
                   <a:srgbClr val="000066"/>
                 </a:solidFill>
@@ -3301,11 +3303,13 @@
         </p:nvSpPr>
         <p:spPr/>
         <p:txBody>
-          <a:bodyPr/>
-          <a:lstStyle/>
-          <a:p>
-            <a:r>
-              <a:rPr lang="zh-CN" altLang="en-US" b="1" dirty="0" smtClean="0">
+          <a:bodyPr>
+            <a:normAutofit/>
+          </a:bodyPr>
+          <a:lstStyle/>
+          <a:p>
+            <a:r>
+              <a:rPr lang="zh-CN" altLang="en-US" sz="4000" b="1" dirty="0">
                 <a:solidFill>
                   <a:srgbClr val="000066"/>
                 </a:solidFill>
@@ -3314,7 +3318,7 @@
               </a:rPr>
               <a:t>願主愛圍繞您</a:t>
             </a:r>
-            <a:endParaRPr lang="zh-TW" altLang="en-US" b="1" dirty="0">
+            <a:endParaRPr lang="zh-TW" altLang="en-US" sz="4000" b="1" dirty="0">
               <a:solidFill>
                 <a:srgbClr val="000066"/>
               </a:solidFill>
@@ -3337,7 +3341,7 @@
         <p:spPr/>
         <p:txBody>
           <a:bodyPr>
-            <a:normAutofit/>
+            <a:noAutofit/>
           </a:bodyPr>
           <a:lstStyle/>
           <a:p>
@@ -3345,7 +3349,7 @@
               <a:buNone/>
             </a:pPr>
             <a:r>
-              <a:rPr lang="zh-TW" altLang="en-US" sz="5400" b="1" dirty="0">
+              <a:rPr lang="zh-TW" altLang="en-US" sz="4800" b="1" dirty="0">
                 <a:solidFill>
                   <a:srgbClr val="000066"/>
                 </a:solidFill>
@@ -3355,7 +3359,7 @@
               <a:t>願您每天</a:t>
             </a:r>
             <a:r>
-              <a:rPr lang="zh-TW" altLang="en-US" sz="5400" b="1" dirty="0" smtClean="0">
+              <a:rPr lang="zh-TW" altLang="en-US" sz="4800" b="1" dirty="0">
                 <a:solidFill>
                   <a:srgbClr val="000066"/>
                 </a:solidFill>
@@ -3364,7 +3368,7 @@
               </a:rPr>
               <a:t>快樂  身心愉快</a:t>
             </a:r>
-            <a:endParaRPr lang="en-US" altLang="zh-TW" sz="5400" b="1" dirty="0" smtClean="0">
+            <a:endParaRPr lang="en-US" altLang="zh-TW" sz="4800" b="1" dirty="0">
               <a:solidFill>
                 <a:srgbClr val="000066"/>
               </a:solidFill>
@@ -3377,7 +3381,7 @@
               <a:buNone/>
             </a:pPr>
             <a:r>
-              <a:rPr lang="zh-TW" altLang="en-US" sz="5400" b="1" dirty="0" smtClean="0">
+              <a:rPr lang="zh-TW" altLang="en-US" sz="4800" b="1" dirty="0">
                 <a:solidFill>
                   <a:srgbClr val="000066"/>
                 </a:solidFill>
@@ -3387,7 +3391,7 @@
               <a:t>健康</a:t>
             </a:r>
             <a:r>
-              <a:rPr lang="zh-TW" altLang="en-US" sz="5400" b="1" dirty="0">
+              <a:rPr lang="zh-TW" altLang="en-US" sz="4800" b="1" dirty="0">
                 <a:solidFill>
                   <a:srgbClr val="000066"/>
                 </a:solidFill>
@@ -3397,7 +3401,7 @@
               <a:t>與您常</a:t>
             </a:r>
             <a:r>
-              <a:rPr lang="zh-TW" altLang="en-US" sz="5400" b="1" dirty="0" smtClean="0">
+              <a:rPr lang="zh-TW" altLang="en-US" sz="4800" b="1" dirty="0">
                 <a:solidFill>
                   <a:srgbClr val="000066"/>
                 </a:solidFill>
@@ -3406,7 +3410,7 @@
               </a:rPr>
               <a:t>在</a:t>
             </a:r>
-            <a:endParaRPr lang="en-US" altLang="zh-TW" sz="5400" b="1" dirty="0">
+            <a:endParaRPr lang="en-US" altLang="zh-TW" sz="4800" b="1" dirty="0">
               <a:solidFill>
                 <a:srgbClr val="000066"/>
               </a:solidFill>
@@ -3419,7 +3423,7 @@
               <a:buNone/>
             </a:pPr>
             <a:r>
-              <a:rPr lang="zh-TW" altLang="en-US" sz="5400" b="1" dirty="0" smtClean="0">
+              <a:rPr lang="zh-TW" altLang="en-US" sz="4800" b="1" dirty="0">
                 <a:solidFill>
                   <a:srgbClr val="000066"/>
                 </a:solidFill>
@@ -3429,7 +3433,7 @@
               <a:t>祝福您  福</a:t>
             </a:r>
             <a:r>
-              <a:rPr lang="zh-TW" altLang="en-US" sz="5400" b="1" dirty="0">
+              <a:rPr lang="zh-TW" altLang="en-US" sz="4800" b="1" dirty="0">
                 <a:solidFill>
                   <a:srgbClr val="000066"/>
                 </a:solidFill>
@@ -3439,7 +3443,7 @@
               <a:t>杯滿</a:t>
             </a:r>
             <a:r>
-              <a:rPr lang="zh-TW" altLang="en-US" sz="5400" b="1" dirty="0" smtClean="0">
+              <a:rPr lang="zh-TW" altLang="en-US" sz="4800" b="1" dirty="0">
                 <a:solidFill>
                   <a:srgbClr val="000066"/>
                 </a:solidFill>
@@ -3448,7 +3452,7 @@
               </a:rPr>
               <a:t>溢</a:t>
             </a:r>
-            <a:endParaRPr lang="en-US" altLang="zh-TW" sz="5400" b="1" dirty="0" smtClean="0">
+            <a:endParaRPr lang="en-US" altLang="zh-TW" sz="4800" b="1" dirty="0">
               <a:solidFill>
                 <a:srgbClr val="000066"/>
               </a:solidFill>
@@ -3461,7 +3465,7 @@
               <a:buNone/>
             </a:pPr>
             <a:r>
-              <a:rPr lang="zh-TW" altLang="en-US" sz="5400" b="1" dirty="0" smtClean="0">
+              <a:rPr lang="zh-TW" altLang="en-US" sz="4800" b="1" dirty="0">
                 <a:solidFill>
                   <a:srgbClr val="000066"/>
                 </a:solidFill>
@@ -3471,7 +3475,7 @@
               <a:t>耶穌</a:t>
             </a:r>
             <a:r>
-              <a:rPr lang="zh-TW" altLang="en-US" sz="5400" b="1" dirty="0">
+              <a:rPr lang="zh-TW" altLang="en-US" sz="4800" b="1" dirty="0">
                 <a:solidFill>
                   <a:srgbClr val="000066"/>
                 </a:solidFill>
@@ -3481,7 +3485,7 @@
               <a:t>永遠陪伴</a:t>
             </a:r>
             <a:r>
-              <a:rPr lang="zh-TW" altLang="en-US" sz="5400" b="1" dirty="0" smtClean="0">
+              <a:rPr lang="zh-TW" altLang="en-US" sz="4800" b="1" dirty="0">
                 <a:solidFill>
                   <a:srgbClr val="000066"/>
                 </a:solidFill>
@@ -3490,7 +3494,7 @@
               </a:rPr>
               <a:t>您</a:t>
             </a:r>
-            <a:endParaRPr lang="zh-TW" altLang="en-US" sz="5400" b="1" dirty="0">
+            <a:endParaRPr lang="zh-TW" altLang="en-US" sz="4800" b="1" dirty="0">
               <a:solidFill>
                 <a:srgbClr val="000066"/>
               </a:solidFill>
@@ -3537,21 +3541,27 @@
         </p:nvSpPr>
         <p:spPr/>
         <p:txBody>
-          <a:bodyPr/>
-          <a:lstStyle/>
-          <a:p>
-            <a:r>
-              <a:rPr lang="zh-CN" altLang="en-US" b="1" dirty="0" smtClean="0">
+          <a:bodyPr>
+            <a:normAutofit/>
+          </a:bodyPr>
+          <a:lstStyle/>
+          <a:p>
+            <a:r>
+              <a:rPr lang="zh-CN" altLang="en-US" sz="4000" b="1" dirty="0">
                 <a:solidFill>
                   <a:srgbClr val="000066"/>
                 </a:solidFill>
+                <a:latin typeface="微軟正黑體" pitchFamily="34" charset="-120"/>
+                <a:ea typeface="微軟正黑體" pitchFamily="34" charset="-120"/>
               </a:rPr>
               <a:t>願主愛圍繞您</a:t>
             </a:r>
-            <a:endParaRPr lang="zh-TW" altLang="en-US" b="1" dirty="0">
+            <a:endParaRPr lang="zh-TW" altLang="en-US" sz="4000" b="1" dirty="0">
               <a:solidFill>
                 <a:srgbClr val="000066"/>
               </a:solidFill>
+              <a:latin typeface="微軟正黑體" pitchFamily="34" charset="-120"/>
+              <a:ea typeface="微軟正黑體" pitchFamily="34" charset="-120"/>
             </a:endParaRPr>
           </a:p>
         </p:txBody>
@@ -3577,7 +3587,7 @@
               <a:buNone/>
             </a:pPr>
             <a:r>
-              <a:rPr lang="en-US" sz="5400" b="1" dirty="0">
+              <a:rPr lang="en-US" sz="4400" b="1" dirty="0">
                 <a:solidFill>
                   <a:srgbClr val="000066"/>
                 </a:solidFill>
@@ -3585,7 +3595,7 @@
               <a:t>He'll bless you night &amp; </a:t>
             </a:r>
             <a:r>
-              <a:rPr lang="en-US" sz="5400" b="1" dirty="0" smtClean="0">
+              <a:rPr lang="en-US" sz="4400" b="1" dirty="0" smtClean="0">
                 <a:solidFill>
                   <a:srgbClr val="000066"/>
                 </a:solidFill>
@@ -3598,7 +3608,7 @@
               <a:buNone/>
             </a:pPr>
             <a:r>
-              <a:rPr lang="en-US" sz="5400" b="1" dirty="0" smtClean="0">
+              <a:rPr lang="en-US" sz="4400" b="1" dirty="0" smtClean="0">
                 <a:solidFill>
                   <a:srgbClr val="000066"/>
                 </a:solidFill>
@@ -3606,7 +3616,7 @@
               <a:t>He'll </a:t>
             </a:r>
             <a:r>
-              <a:rPr lang="en-US" sz="5400" b="1" dirty="0">
+              <a:rPr lang="en-US" sz="4400" b="1" dirty="0">
                 <a:solidFill>
                   <a:srgbClr val="000066"/>
                 </a:solidFill>
@@ -3614,7 +3624,7 @@
               <a:t>always lead your </a:t>
             </a:r>
             <a:r>
-              <a:rPr lang="en-US" sz="5400" b="1" dirty="0" smtClean="0">
+              <a:rPr lang="en-US" sz="4400" b="1" dirty="0" smtClean="0">
                 <a:solidFill>
                   <a:srgbClr val="000066"/>
                 </a:solidFill>
@@ -3627,7 +3637,7 @@
               <a:buNone/>
             </a:pPr>
             <a:r>
-              <a:rPr lang="en-US" sz="5400" b="1" dirty="0" smtClean="0">
+              <a:rPr lang="en-US" sz="4400" b="1" dirty="0" smtClean="0">
                 <a:solidFill>
                   <a:srgbClr val="000066"/>
                 </a:solidFill>
@@ -3635,7 +3645,7 @@
               <a:t>He </a:t>
             </a:r>
             <a:r>
-              <a:rPr lang="en-US" sz="5400" b="1" dirty="0">
+              <a:rPr lang="en-US" sz="4400" b="1" dirty="0">
                 <a:solidFill>
                   <a:srgbClr val="000066"/>
                 </a:solidFill>
@@ -3643,7 +3653,7 @@
               <a:t>will be there for </a:t>
             </a:r>
             <a:r>
-              <a:rPr lang="en-US" sz="5400" b="1" dirty="0" smtClean="0">
+              <a:rPr lang="en-US" sz="4400" b="1" dirty="0" smtClean="0">
                 <a:solidFill>
                   <a:srgbClr val="000066"/>
                 </a:solidFill>
@@ -3651,14 +3661,14 @@
               <a:t>you(X2</a:t>
             </a:r>
             <a:r>
-              <a:rPr lang="en-US" sz="5400" b="1" dirty="0">
+              <a:rPr lang="en-US" sz="4400" b="1" dirty="0">
                 <a:solidFill>
                   <a:srgbClr val="000066"/>
                 </a:solidFill>
               </a:rPr>
               <a:t>)</a:t>
             </a:r>
-            <a:endParaRPr lang="zh-TW" altLang="en-US" sz="5400" b="1" dirty="0">
+            <a:endParaRPr lang="zh-TW" altLang="en-US" sz="4400" b="1" dirty="0">
               <a:solidFill>
                 <a:srgbClr val="000066"/>
               </a:solidFill>

--- a/願主愛圍繞您.pptx
+++ b/願主愛圍繞您.pptx
@@ -5,9 +5,12 @@
     <p:sldMasterId id="2147483672" r:id="rId1"/>
   </p:sldMasterIdLst>
   <p:sldIdLst>
-    <p:sldId id="256" r:id="rId2"/>
-    <p:sldId id="257" r:id="rId3"/>
-    <p:sldId id="258" r:id="rId4"/>
+    <p:sldId id="259" r:id="rId2"/>
+    <p:sldId id="260" r:id="rId3"/>
+    <p:sldId id="261" r:id="rId4"/>
+    <p:sldId id="262" r:id="rId5"/>
+    <p:sldId id="263" r:id="rId6"/>
+    <p:sldId id="264" r:id="rId7"/>
   </p:sldIdLst>
   <p:sldSz cx="9144000" cy="5143500" type="screen16x9"/>
   <p:notesSz cx="6858000" cy="9144000"/>
@@ -106,6 +109,22 @@
       </a:defRPr>
     </a:lvl9pPr>
   </p:defaultTextStyle>
+  <p:extLst>
+    <p:ext uri="{EFAFB233-063F-42B5-8137-9DF3F51BA10A}">
+      <p15:sldGuideLst xmlns:p15="http://schemas.microsoft.com/office/powerpoint/2012/main">
+        <p15:guide id="1" orient="horz" pos="1620">
+          <p15:clr>
+            <a:srgbClr val="A4A3A4"/>
+          </p15:clr>
+        </p15:guide>
+        <p15:guide id="2" pos="2880">
+          <p15:clr>
+            <a:srgbClr val="A4A3A4"/>
+          </p15:clr>
+        </p15:guide>
+      </p15:sldGuideLst>
+    </p:ext>
+  </p:extLst>
 </p:presentation>
 </file>
 
@@ -291,7 +310,7 @@
             <a:fld id="{3664A2A4-4052-4535-9CAE-3F23A4F1A18C}" type="datetimeFigureOut">
               <a:rPr lang="zh-TW" altLang="en-US" smtClean="0"/>
               <a:pPr/>
-              <a:t>2019/9/7</a:t>
+              <a:t>2022/1/29</a:t>
             </a:fld>
             <a:endParaRPr lang="zh-TW" altLang="en-US"/>
           </a:p>
@@ -458,7 +477,7 @@
             <a:fld id="{3664A2A4-4052-4535-9CAE-3F23A4F1A18C}" type="datetimeFigureOut">
               <a:rPr lang="zh-TW" altLang="en-US" smtClean="0"/>
               <a:pPr/>
-              <a:t>2019/9/7</a:t>
+              <a:t>2022/1/29</a:t>
             </a:fld>
             <a:endParaRPr lang="zh-TW" altLang="en-US"/>
           </a:p>
@@ -635,7 +654,7 @@
             <a:fld id="{3664A2A4-4052-4535-9CAE-3F23A4F1A18C}" type="datetimeFigureOut">
               <a:rPr lang="zh-TW" altLang="en-US" smtClean="0"/>
               <a:pPr/>
-              <a:t>2019/9/7</a:t>
+              <a:t>2022/1/29</a:t>
             </a:fld>
             <a:endParaRPr lang="zh-TW" altLang="en-US"/>
           </a:p>
@@ -802,7 +821,7 @@
             <a:fld id="{3664A2A4-4052-4535-9CAE-3F23A4F1A18C}" type="datetimeFigureOut">
               <a:rPr lang="zh-TW" altLang="en-US" smtClean="0"/>
               <a:pPr/>
-              <a:t>2019/9/7</a:t>
+              <a:t>2022/1/29</a:t>
             </a:fld>
             <a:endParaRPr lang="zh-TW" altLang="en-US"/>
           </a:p>
@@ -1045,7 +1064,7 @@
             <a:fld id="{3664A2A4-4052-4535-9CAE-3F23A4F1A18C}" type="datetimeFigureOut">
               <a:rPr lang="zh-TW" altLang="en-US" smtClean="0"/>
               <a:pPr/>
-              <a:t>2019/9/7</a:t>
+              <a:t>2022/1/29</a:t>
             </a:fld>
             <a:endParaRPr lang="zh-TW" altLang="en-US"/>
           </a:p>
@@ -1330,7 +1349,7 @@
             <a:fld id="{3664A2A4-4052-4535-9CAE-3F23A4F1A18C}" type="datetimeFigureOut">
               <a:rPr lang="zh-TW" altLang="en-US" smtClean="0"/>
               <a:pPr/>
-              <a:t>2019/9/7</a:t>
+              <a:t>2022/1/29</a:t>
             </a:fld>
             <a:endParaRPr lang="zh-TW" altLang="en-US"/>
           </a:p>
@@ -1749,7 +1768,7 @@
             <a:fld id="{3664A2A4-4052-4535-9CAE-3F23A4F1A18C}" type="datetimeFigureOut">
               <a:rPr lang="zh-TW" altLang="en-US" smtClean="0"/>
               <a:pPr/>
-              <a:t>2019/9/7</a:t>
+              <a:t>2022/1/29</a:t>
             </a:fld>
             <a:endParaRPr lang="zh-TW" altLang="en-US"/>
           </a:p>
@@ -1864,7 +1883,7 @@
             <a:fld id="{3664A2A4-4052-4535-9CAE-3F23A4F1A18C}" type="datetimeFigureOut">
               <a:rPr lang="zh-TW" altLang="en-US" smtClean="0"/>
               <a:pPr/>
-              <a:t>2019/9/7</a:t>
+              <a:t>2022/1/29</a:t>
             </a:fld>
             <a:endParaRPr lang="zh-TW" altLang="en-US"/>
           </a:p>
@@ -1956,7 +1975,7 @@
             <a:fld id="{3664A2A4-4052-4535-9CAE-3F23A4F1A18C}" type="datetimeFigureOut">
               <a:rPr lang="zh-TW" altLang="en-US" smtClean="0"/>
               <a:pPr/>
-              <a:t>2019/9/7</a:t>
+              <a:t>2022/1/29</a:t>
             </a:fld>
             <a:endParaRPr lang="zh-TW" altLang="en-US"/>
           </a:p>
@@ -2230,7 +2249,7 @@
             <a:fld id="{3664A2A4-4052-4535-9CAE-3F23A4F1A18C}" type="datetimeFigureOut">
               <a:rPr lang="zh-TW" altLang="en-US" smtClean="0"/>
               <a:pPr/>
-              <a:t>2019/9/7</a:t>
+              <a:t>2022/1/29</a:t>
             </a:fld>
             <a:endParaRPr lang="zh-TW" altLang="en-US"/>
           </a:p>
@@ -2484,7 +2503,7 @@
             <a:fld id="{3664A2A4-4052-4535-9CAE-3F23A4F1A18C}" type="datetimeFigureOut">
               <a:rPr lang="zh-TW" altLang="en-US" smtClean="0"/>
               <a:pPr/>
-              <a:t>2019/9/7</a:t>
+              <a:t>2022/1/29</a:t>
             </a:fld>
             <a:endParaRPr lang="zh-TW" altLang="en-US"/>
           </a:p>
@@ -2699,7 +2718,7 @@
             <a:fld id="{3664A2A4-4052-4535-9CAE-3F23A4F1A18C}" type="datetimeFigureOut">
               <a:rPr lang="zh-TW" altLang="en-US" smtClean="0"/>
               <a:pPr/>
-              <a:t>2019/9/7</a:t>
+              <a:t>2022/1/29</a:t>
             </a:fld>
             <a:endParaRPr lang="zh-TW" altLang="en-US"/>
           </a:p>
@@ -3080,193 +3099,75 @@
             <p:ph type="title"/>
           </p:nvPr>
         </p:nvSpPr>
-        <p:spPr/>
-        <p:txBody>
-          <a:bodyPr>
-            <a:normAutofit/>
-          </a:bodyPr>
-          <a:lstStyle/>
-          <a:p>
-            <a:r>
-              <a:rPr lang="zh-CN" altLang="en-US" sz="4000" b="1" dirty="0" smtClean="0">
-                <a:solidFill>
-                  <a:srgbClr val="000066"/>
-                </a:solidFill>
-                <a:latin typeface="微軟正黑體" pitchFamily="34" charset="-120"/>
-                <a:ea typeface="微軟正黑體" pitchFamily="34" charset="-120"/>
-              </a:rPr>
-              <a:t>願主愛圍繞您</a:t>
-            </a:r>
-            <a:endParaRPr lang="zh-TW" altLang="en-US" sz="4000" b="1" dirty="0">
-              <a:solidFill>
-                <a:srgbClr val="000066"/>
-              </a:solidFill>
-              <a:latin typeface="微軟正黑體" pitchFamily="34" charset="-120"/>
-              <a:ea typeface="微軟正黑體" pitchFamily="34" charset="-120"/>
-            </a:endParaRPr>
-          </a:p>
-        </p:txBody>
-      </p:sp>
-      <p:sp>
-        <p:nvSpPr>
-          <p:cNvPr id="5" name="內容版面配置區 4"/>
-          <p:cNvSpPr>
-            <a:spLocks noGrp="1"/>
-          </p:cNvSpPr>
-          <p:nvPr>
-            <p:ph idx="1"/>
-          </p:nvPr>
-        </p:nvSpPr>
-        <p:spPr/>
+        <p:spPr>
+          <a:xfrm>
+            <a:off x="0" y="2143135"/>
+            <a:ext cx="9144000" cy="857250"/>
+          </a:xfrm>
+        </p:spPr>
         <p:txBody>
           <a:bodyPr>
             <a:noAutofit/>
           </a:bodyPr>
           <a:lstStyle/>
           <a:p>
-            <a:pPr algn="ctr">
-              <a:buNone/>
-            </a:pPr>
-            <a:r>
-              <a:rPr lang="zh-TW" altLang="en-US" sz="4800" b="1" dirty="0">
+            <a:r>
+              <a:rPr lang="zh-CN" altLang="en-US" sz="5400" b="1" i="1" dirty="0">
                 <a:solidFill>
                   <a:srgbClr val="000066"/>
                 </a:solidFill>
-                <a:latin typeface="微軟正黑體" pitchFamily="34" charset="-120"/>
-                <a:ea typeface="微軟正黑體" pitchFamily="34" charset="-120"/>
-              </a:rPr>
-              <a:t>願天父上帝的</a:t>
-            </a:r>
-            <a:r>
-              <a:rPr lang="zh-TW" altLang="en-US" sz="4800" b="1" dirty="0" smtClean="0">
-                <a:solidFill>
-                  <a:srgbClr val="000066"/>
-                </a:solidFill>
-                <a:latin typeface="微軟正黑體" pitchFamily="34" charset="-120"/>
-                <a:ea typeface="微軟正黑體" pitchFamily="34" charset="-120"/>
-              </a:rPr>
-              <a:t>慈愛</a:t>
-            </a:r>
-            <a:endParaRPr lang="en-US" altLang="zh-TW" sz="4800" b="1" dirty="0" smtClean="0">
-              <a:solidFill>
-                <a:srgbClr val="000066"/>
-              </a:solidFill>
-              <a:latin typeface="微軟正黑體" pitchFamily="34" charset="-120"/>
-              <a:ea typeface="微軟正黑體" pitchFamily="34" charset="-120"/>
-            </a:endParaRPr>
-          </a:p>
-          <a:p>
-            <a:pPr algn="ctr">
-              <a:buNone/>
-            </a:pPr>
-            <a:r>
-              <a:rPr lang="zh-TW" altLang="en-US" sz="4800" b="1" dirty="0" smtClean="0">
-                <a:solidFill>
-                  <a:srgbClr val="000066"/>
-                </a:solidFill>
-                <a:latin typeface="微軟正黑體" pitchFamily="34" charset="-120"/>
-                <a:ea typeface="微軟正黑體" pitchFamily="34" charset="-120"/>
-              </a:rPr>
-              <a:t>常</a:t>
-            </a:r>
-            <a:r>
-              <a:rPr lang="zh-TW" altLang="en-US" sz="4800" b="1" dirty="0">
-                <a:solidFill>
-                  <a:srgbClr val="000066"/>
-                </a:solidFill>
-                <a:latin typeface="微軟正黑體" pitchFamily="34" charset="-120"/>
-                <a:ea typeface="微軟正黑體" pitchFamily="34" charset="-120"/>
-              </a:rPr>
-              <a:t>與您們同</a:t>
-            </a:r>
-            <a:r>
-              <a:rPr lang="zh-TW" altLang="en-US" sz="4800" b="1" dirty="0" smtClean="0">
-                <a:solidFill>
-                  <a:srgbClr val="000066"/>
-                </a:solidFill>
-                <a:latin typeface="微軟正黑體" pitchFamily="34" charset="-120"/>
-                <a:ea typeface="微軟正黑體" pitchFamily="34" charset="-120"/>
-              </a:rPr>
-              <a:t>在</a:t>
-            </a:r>
-            <a:endParaRPr lang="en-US" altLang="zh-TW" sz="4800" b="1" dirty="0">
-              <a:solidFill>
-                <a:srgbClr val="000066"/>
-              </a:solidFill>
-              <a:latin typeface="微軟正黑體" pitchFamily="34" charset="-120"/>
-              <a:ea typeface="微軟正黑體" pitchFamily="34" charset="-120"/>
-            </a:endParaRPr>
-          </a:p>
-          <a:p>
-            <a:pPr algn="ctr">
-              <a:buNone/>
-            </a:pPr>
-            <a:r>
-              <a:rPr lang="zh-TW" altLang="en-US" sz="4800" b="1" dirty="0" smtClean="0">
-                <a:solidFill>
-                  <a:srgbClr val="000066"/>
-                </a:solidFill>
+                <a:effectLst>
+                  <a:outerShdw blurRad="38100" dist="38100" dir="2700000" algn="tl">
+                    <a:srgbClr val="000000">
+                      <a:alpha val="43137"/>
+                    </a:srgbClr>
+                  </a:outerShdw>
+                </a:effectLst>
                 <a:latin typeface="微軟正黑體" pitchFamily="34" charset="-120"/>
                 <a:ea typeface="微軟正黑體" pitchFamily="34" charset="-120"/>
               </a:rPr>
               <a:t>願</a:t>
             </a:r>
             <a:r>
-              <a:rPr lang="zh-TW" altLang="en-US" sz="4800" b="1" dirty="0">
+              <a:rPr lang="zh-CN" altLang="en-US" sz="5400" b="1" i="1" dirty="0">
                 <a:solidFill>
                   <a:srgbClr val="000066"/>
                 </a:solidFill>
+                <a:effectLst>
+                  <a:outerShdw blurRad="38100" dist="38100" dir="2700000" algn="tl">
+                    <a:srgbClr val="000000">
+                      <a:alpha val="43137"/>
+                    </a:srgbClr>
+                  </a:outerShdw>
+                </a:effectLst>
                 <a:latin typeface="微軟正黑體" pitchFamily="34" charset="-120"/>
                 <a:ea typeface="微軟正黑體" pitchFamily="34" charset="-120"/>
               </a:rPr>
-              <a:t>平安恩惠天天加給</a:t>
-            </a:r>
-            <a:r>
-              <a:rPr lang="zh-TW" altLang="en-US" sz="4800" b="1" dirty="0" smtClean="0">
-                <a:solidFill>
-                  <a:srgbClr val="000066"/>
-                </a:solidFill>
-                <a:latin typeface="微軟正黑體" pitchFamily="34" charset="-120"/>
-                <a:ea typeface="微軟正黑體" pitchFamily="34" charset="-120"/>
-              </a:rPr>
-              <a:t>您</a:t>
-            </a:r>
-            <a:endParaRPr lang="en-US" altLang="zh-TW" sz="4800" b="1" dirty="0" smtClean="0">
+              <a:t>主愛圍繞您</a:t>
+            </a:r>
+            <a:endParaRPr lang="zh-TW" altLang="en-US" sz="5400" b="1" i="1" dirty="0">
               <a:solidFill>
                 <a:srgbClr val="000066"/>
               </a:solidFill>
+              <a:effectLst>
+                <a:outerShdw blurRad="38100" dist="38100" dir="2700000" algn="tl">
+                  <a:srgbClr val="000000">
+                    <a:alpha val="43137"/>
+                  </a:srgbClr>
+                </a:outerShdw>
+              </a:effectLst>
               <a:latin typeface="微軟正黑體" pitchFamily="34" charset="-120"/>
               <a:ea typeface="微軟正黑體" pitchFamily="34" charset="-120"/>
             </a:endParaRPr>
           </a:p>
-          <a:p>
-            <a:pPr algn="ctr">
-              <a:buNone/>
-            </a:pPr>
-            <a:r>
-              <a:rPr lang="zh-TW" altLang="en-US" sz="4800" b="1" dirty="0" smtClean="0">
-                <a:solidFill>
-                  <a:srgbClr val="000066"/>
-                </a:solidFill>
-                <a:latin typeface="微軟正黑體" pitchFamily="34" charset="-120"/>
-                <a:ea typeface="微軟正黑體" pitchFamily="34" charset="-120"/>
-              </a:rPr>
-              <a:t>喜樂</a:t>
-            </a:r>
-            <a:r>
-              <a:rPr lang="zh-TW" altLang="en-US" sz="4800" b="1" dirty="0">
-                <a:solidFill>
-                  <a:srgbClr val="000066"/>
-                </a:solidFill>
-                <a:latin typeface="微軟正黑體" pitchFamily="34" charset="-120"/>
-                <a:ea typeface="微軟正黑體" pitchFamily="34" charset="-120"/>
-              </a:rPr>
-              <a:t>恩典圍繞您</a:t>
-            </a:r>
-          </a:p>
         </p:txBody>
       </p:sp>
     </p:spTree>
+    <p:extLst>
+      <p:ext uri="{BB962C8B-B14F-4D97-AF65-F5344CB8AC3E}">
+        <p14:creationId xmlns:p14="http://schemas.microsoft.com/office/powerpoint/2010/main" val="3792141524"/>
+      </p:ext>
+    </p:extLst>
   </p:cSld>
   <p:clrMapOvr>
     <a:masterClrMapping/>
@@ -3293,80 +3194,38 @@
       </p:grpSpPr>
       <p:sp>
         <p:nvSpPr>
-          <p:cNvPr id="4" name="標題 3"/>
-          <p:cNvSpPr>
-            <a:spLocks noGrp="1"/>
-          </p:cNvSpPr>
-          <p:nvPr>
-            <p:ph type="title"/>
-          </p:nvPr>
-        </p:nvSpPr>
-        <p:spPr/>
-        <p:txBody>
-          <a:bodyPr>
+          <p:cNvPr id="5" name="內容版面配置區 4"/>
+          <p:cNvSpPr>
+            <a:spLocks noGrp="1"/>
+          </p:cNvSpPr>
+          <p:nvPr>
+            <p:ph idx="1"/>
+          </p:nvPr>
+        </p:nvSpPr>
+        <p:spPr>
+          <a:xfrm>
+            <a:off x="0" y="1563639"/>
+            <a:ext cx="9144000" cy="1803647"/>
+          </a:xfrm>
+        </p:spPr>
+        <p:txBody>
+          <a:bodyPr anchor="ctr">
             <a:normAutofit/>
           </a:bodyPr>
           <a:lstStyle/>
           <a:p>
-            <a:r>
-              <a:rPr lang="zh-CN" altLang="en-US" sz="4000" b="1" dirty="0">
+            <a:pPr algn="ctr">
+              <a:buNone/>
+            </a:pPr>
+            <a:r>
+              <a:rPr lang="zh-TW" altLang="en-US" sz="4800" b="1" dirty="0">
                 <a:solidFill>
                   <a:srgbClr val="000066"/>
                 </a:solidFill>
                 <a:latin typeface="微軟正黑體" pitchFamily="34" charset="-120"/>
                 <a:ea typeface="微軟正黑體" pitchFamily="34" charset="-120"/>
               </a:rPr>
-              <a:t>願主愛圍繞您</a:t>
-            </a:r>
-            <a:endParaRPr lang="zh-TW" altLang="en-US" sz="4000" b="1" dirty="0">
-              <a:solidFill>
-                <a:srgbClr val="000066"/>
-              </a:solidFill>
-              <a:latin typeface="微軟正黑體" pitchFamily="34" charset="-120"/>
-              <a:ea typeface="微軟正黑體" pitchFamily="34" charset="-120"/>
-            </a:endParaRPr>
-          </a:p>
-        </p:txBody>
-      </p:sp>
-      <p:sp>
-        <p:nvSpPr>
-          <p:cNvPr id="5" name="內容版面配置區 4"/>
-          <p:cNvSpPr>
-            <a:spLocks noGrp="1"/>
-          </p:cNvSpPr>
-          <p:nvPr>
-            <p:ph idx="1"/>
-          </p:nvPr>
-        </p:nvSpPr>
-        <p:spPr/>
-        <p:txBody>
-          <a:bodyPr>
-            <a:noAutofit/>
-          </a:bodyPr>
-          <a:lstStyle/>
-          <a:p>
-            <a:pPr algn="ctr">
-              <a:buNone/>
-            </a:pPr>
-            <a:r>
-              <a:rPr lang="zh-TW" altLang="en-US" sz="4800" b="1" dirty="0">
-                <a:solidFill>
-                  <a:srgbClr val="000066"/>
-                </a:solidFill>
-                <a:latin typeface="微軟正黑體" pitchFamily="34" charset="-120"/>
-                <a:ea typeface="微軟正黑體" pitchFamily="34" charset="-120"/>
-              </a:rPr>
-              <a:t>願您每天</a:t>
-            </a:r>
-            <a:r>
-              <a:rPr lang="zh-TW" altLang="en-US" sz="4800" b="1" dirty="0">
-                <a:solidFill>
-                  <a:srgbClr val="000066"/>
-                </a:solidFill>
-                <a:latin typeface="微軟正黑體" pitchFamily="34" charset="-120"/>
-                <a:ea typeface="微軟正黑體" pitchFamily="34" charset="-120"/>
-              </a:rPr>
-              <a:t>快樂  身心愉快</a:t>
+              <a:t>願天父上帝的慈愛</a:t>
             </a:r>
             <a:endParaRPr lang="en-US" altLang="zh-TW" sz="4800" b="1" dirty="0">
               <a:solidFill>
@@ -3388,27 +3247,7 @@
                 <a:latin typeface="微軟正黑體" pitchFamily="34" charset="-120"/>
                 <a:ea typeface="微軟正黑體" pitchFamily="34" charset="-120"/>
               </a:rPr>
-              <a:t>健康</a:t>
-            </a:r>
-            <a:r>
-              <a:rPr lang="zh-TW" altLang="en-US" sz="4800" b="1" dirty="0">
-                <a:solidFill>
-                  <a:srgbClr val="000066"/>
-                </a:solidFill>
-                <a:latin typeface="微軟正黑體" pitchFamily="34" charset="-120"/>
-                <a:ea typeface="微軟正黑體" pitchFamily="34" charset="-120"/>
-              </a:rPr>
-              <a:t>與您常</a:t>
-            </a:r>
-            <a:r>
-              <a:rPr lang="zh-TW" altLang="en-US" sz="4800" b="1" dirty="0">
-                <a:solidFill>
-                  <a:srgbClr val="000066"/>
-                </a:solidFill>
-                <a:latin typeface="微軟正黑體" pitchFamily="34" charset="-120"/>
-                <a:ea typeface="微軟正黑體" pitchFamily="34" charset="-120"/>
-              </a:rPr>
-              <a:t>在</a:t>
+              <a:t>常與您們同在</a:t>
             </a:r>
             <a:endParaRPr lang="en-US" altLang="zh-TW" sz="4800" b="1" dirty="0">
               <a:solidFill>
@@ -3418,97 +3257,103 @@
               <a:ea typeface="微軟正黑體" pitchFamily="34" charset="-120"/>
             </a:endParaRPr>
           </a:p>
-          <a:p>
-            <a:pPr algn="ctr">
-              <a:buNone/>
-            </a:pPr>
-            <a:r>
-              <a:rPr lang="zh-TW" altLang="en-US" sz="4800" b="1" dirty="0">
+        </p:txBody>
+      </p:sp>
+      <p:sp>
+        <p:nvSpPr>
+          <p:cNvPr id="3" name="TextBox 2"/>
+          <p:cNvSpPr txBox="1"/>
+          <p:nvPr/>
+        </p:nvSpPr>
+        <p:spPr>
+          <a:xfrm>
+            <a:off x="0" y="3939903"/>
+            <a:ext cx="9144000" cy="584775"/>
+          </a:xfrm>
+          <a:prstGeom prst="rect">
+            <a:avLst/>
+          </a:prstGeom>
+          <a:noFill/>
+        </p:spPr>
+        <p:txBody>
+          <a:bodyPr wrap="square" rtlCol="0">
+            <a:spAutoFit/>
+          </a:bodyPr>
+          <a:lstStyle/>
+          <a:p>
+            <a:pPr algn="ctr"/>
+            <a:r>
+              <a:rPr lang="en-US" sz="3200" b="1" dirty="0">
                 <a:solidFill>
                   <a:srgbClr val="000066"/>
                 </a:solidFill>
-                <a:latin typeface="微軟正黑體" pitchFamily="34" charset="-120"/>
-                <a:ea typeface="微軟正黑體" pitchFamily="34" charset="-120"/>
+                <a:effectLst/>
+                <a:latin typeface="Microsoft JhengHei" panose="020B0604030504040204" pitchFamily="34" charset="-120"/>
+                <a:ea typeface="Microsoft JhengHei" panose="020B0604030504040204" pitchFamily="34" charset="-120"/>
               </a:rPr>
-              <a:t>祝福您  福</a:t>
-            </a:r>
-            <a:r>
-              <a:rPr lang="zh-TW" altLang="en-US" sz="4800" b="1" dirty="0">
+              <a:t>( </a:t>
+            </a:r>
+            <a:r>
+              <a:rPr lang="zh-CN" altLang="en-US" sz="3200" b="1" dirty="0">
                 <a:solidFill>
                   <a:srgbClr val="000066"/>
                 </a:solidFill>
-                <a:latin typeface="微軟正黑體" pitchFamily="34" charset="-120"/>
-                <a:ea typeface="微軟正黑體" pitchFamily="34" charset="-120"/>
+                <a:effectLst/>
+                <a:latin typeface="Microsoft JhengHei" panose="020B0604030504040204" pitchFamily="34" charset="-120"/>
+                <a:ea typeface="Microsoft JhengHei" panose="020B0604030504040204" pitchFamily="34" charset="-120"/>
               </a:rPr>
-              <a:t>杯滿</a:t>
-            </a:r>
-            <a:r>
-              <a:rPr lang="zh-TW" altLang="en-US" sz="4800" b="1" dirty="0">
+              <a:t>正</a:t>
+            </a:r>
+            <a:r>
+              <a:rPr lang="en-US" sz="3200" b="1" dirty="0">
                 <a:solidFill>
                   <a:srgbClr val="000066"/>
                 </a:solidFill>
-                <a:latin typeface="微軟正黑體" pitchFamily="34" charset="-120"/>
-                <a:ea typeface="微軟正黑體" pitchFamily="34" charset="-120"/>
+                <a:effectLst/>
+                <a:latin typeface="Microsoft JhengHei" panose="020B0604030504040204" pitchFamily="34" charset="-120"/>
+                <a:ea typeface="Microsoft JhengHei" panose="020B0604030504040204" pitchFamily="34" charset="-120"/>
               </a:rPr>
-              <a:t>溢</a:t>
-            </a:r>
-            <a:endParaRPr lang="en-US" altLang="zh-TW" sz="4800" b="1" dirty="0">
+              <a:t> </a:t>
+            </a:r>
+            <a:r>
+              <a:rPr lang="en-US" sz="3200" b="1" dirty="0">
+                <a:solidFill>
+                  <a:srgbClr val="000066"/>
+                </a:solidFill>
+                <a:effectLst/>
+                <a:latin typeface="Microsoft JhengHei" panose="020B0604030504040204" pitchFamily="34" charset="-120"/>
+                <a:ea typeface="Microsoft JhengHei" panose="020B0604030504040204" pitchFamily="34" charset="-120"/>
+              </a:rPr>
+              <a:t>)</a:t>
+            </a:r>
+            <a:endParaRPr lang="vi-VN" sz="3200" b="1" dirty="0">
               <a:solidFill>
                 <a:srgbClr val="000066"/>
               </a:solidFill>
-              <a:latin typeface="微軟正黑體" pitchFamily="34" charset="-120"/>
-              <a:ea typeface="微軟正黑體" pitchFamily="34" charset="-120"/>
+              <a:effectLst/>
+              <a:latin typeface="Microsoft JhengHei" panose="020B0604030504040204" pitchFamily="34" charset="-120"/>
+              <a:ea typeface="Microsoft JhengHei" panose="020B0604030504040204" pitchFamily="34" charset="-120"/>
             </a:endParaRPr>
           </a:p>
-          <a:p>
-            <a:pPr algn="ctr">
-              <a:buNone/>
-            </a:pPr>
-            <a:r>
-              <a:rPr lang="zh-TW" altLang="en-US" sz="4800" b="1" dirty="0">
-                <a:solidFill>
-                  <a:srgbClr val="000066"/>
-                </a:solidFill>
-                <a:latin typeface="微軟正黑體" pitchFamily="34" charset="-120"/>
-                <a:ea typeface="微軟正黑體" pitchFamily="34" charset="-120"/>
-              </a:rPr>
-              <a:t>耶穌</a:t>
-            </a:r>
-            <a:r>
-              <a:rPr lang="zh-TW" altLang="en-US" sz="4800" b="1" dirty="0">
-                <a:solidFill>
-                  <a:srgbClr val="000066"/>
-                </a:solidFill>
-                <a:latin typeface="微軟正黑體" pitchFamily="34" charset="-120"/>
-                <a:ea typeface="微軟正黑體" pitchFamily="34" charset="-120"/>
-              </a:rPr>
-              <a:t>永遠陪伴</a:t>
-            </a:r>
-            <a:r>
-              <a:rPr lang="zh-TW" altLang="en-US" sz="4800" b="1" dirty="0">
-                <a:solidFill>
-                  <a:srgbClr val="000066"/>
-                </a:solidFill>
-                <a:latin typeface="微軟正黑體" pitchFamily="34" charset="-120"/>
-                <a:ea typeface="微軟正黑體" pitchFamily="34" charset="-120"/>
-              </a:rPr>
-              <a:t>您</a:t>
-            </a:r>
-            <a:endParaRPr lang="zh-TW" altLang="en-US" sz="4800" b="1" dirty="0">
-              <a:solidFill>
-                <a:srgbClr val="000066"/>
-              </a:solidFill>
-              <a:latin typeface="微軟正黑體" pitchFamily="34" charset="-120"/>
-              <a:ea typeface="微軟正黑體" pitchFamily="34" charset="-120"/>
-            </a:endParaRPr>
-          </a:p>
         </p:txBody>
       </p:sp>
     </p:spTree>
+    <p:extLst>
+      <p:ext uri="{BB962C8B-B14F-4D97-AF65-F5344CB8AC3E}">
+        <p14:creationId xmlns:p14="http://schemas.microsoft.com/office/powerpoint/2010/main" val="158010205"/>
+      </p:ext>
+    </p:extLst>
   </p:cSld>
   <p:clrMapOvr>
     <a:masterClrMapping/>
   </p:clrMapOvr>
+  <p:timing>
+    <p:tnLst>
+      <p:par>
+        <p:cTn id="1" dur="indefinite" restart="never" nodeType="tmRoot"/>
+      </p:par>
+    </p:tnLst>
+  </p:timing>
 </p:sld>
 </file>
 
@@ -3531,32 +3376,40 @@
       </p:grpSpPr>
       <p:sp>
         <p:nvSpPr>
-          <p:cNvPr id="4" name="標題 3"/>
-          <p:cNvSpPr>
-            <a:spLocks noGrp="1"/>
-          </p:cNvSpPr>
-          <p:nvPr>
-            <p:ph type="title"/>
-          </p:nvPr>
-        </p:nvSpPr>
-        <p:spPr/>
-        <p:txBody>
-          <a:bodyPr>
+          <p:cNvPr id="5" name="內容版面配置區 4"/>
+          <p:cNvSpPr>
+            <a:spLocks noGrp="1"/>
+          </p:cNvSpPr>
+          <p:nvPr>
+            <p:ph idx="1"/>
+          </p:nvPr>
+        </p:nvSpPr>
+        <p:spPr>
+          <a:xfrm>
+            <a:off x="0" y="1563639"/>
+            <a:ext cx="9144000" cy="1803647"/>
+          </a:xfrm>
+        </p:spPr>
+        <p:txBody>
+          <a:bodyPr anchor="ctr">
             <a:normAutofit/>
           </a:bodyPr>
           <a:lstStyle/>
           <a:p>
-            <a:r>
-              <a:rPr lang="zh-CN" altLang="en-US" sz="4000" b="1" dirty="0">
+            <a:pPr algn="ctr">
+              <a:buNone/>
+            </a:pPr>
+            <a:r>
+              <a:rPr lang="zh-TW" altLang="en-US" sz="4950" b="1" dirty="0">
                 <a:solidFill>
                   <a:srgbClr val="000066"/>
                 </a:solidFill>
                 <a:latin typeface="微軟正黑體" pitchFamily="34" charset="-120"/>
                 <a:ea typeface="微軟正黑體" pitchFamily="34" charset="-120"/>
               </a:rPr>
-              <a:t>願主愛圍繞您</a:t>
-            </a:r>
-            <a:endParaRPr lang="zh-TW" altLang="en-US" sz="4000" b="1" dirty="0">
+              <a:t>願平安恩惠天天加給您</a:t>
+            </a:r>
+            <a:endParaRPr lang="en-US" altLang="zh-TW" sz="4950" b="1" dirty="0">
               <a:solidFill>
                 <a:srgbClr val="000066"/>
               </a:solidFill>
@@ -3564,123 +3417,673 @@
               <a:ea typeface="微軟正黑體" pitchFamily="34" charset="-120"/>
             </a:endParaRPr>
           </a:p>
-        </p:txBody>
-      </p:sp>
-      <p:sp>
-        <p:nvSpPr>
-          <p:cNvPr id="5" name="內容版面配置區 4"/>
-          <p:cNvSpPr>
-            <a:spLocks noGrp="1"/>
-          </p:cNvSpPr>
-          <p:nvPr>
-            <p:ph idx="1"/>
-          </p:nvPr>
-        </p:nvSpPr>
-        <p:spPr/>
-        <p:txBody>
-          <a:bodyPr>
-            <a:normAutofit/>
-          </a:bodyPr>
-          <a:lstStyle/>
           <a:p>
             <a:pPr algn="ctr">
               <a:buNone/>
             </a:pPr>
             <a:r>
-              <a:rPr lang="en-US" sz="4400" b="1" dirty="0">
+              <a:rPr lang="zh-TW" altLang="en-US" sz="4950" b="1" dirty="0">
                 <a:solidFill>
                   <a:srgbClr val="000066"/>
                 </a:solidFill>
+                <a:latin typeface="微軟正黑體" pitchFamily="34" charset="-120"/>
+                <a:ea typeface="微軟正黑體" pitchFamily="34" charset="-120"/>
               </a:rPr>
-              <a:t>He'll bless you night &amp; </a:t>
-            </a:r>
-            <a:r>
-              <a:rPr lang="en-US" sz="4400" b="1" dirty="0" smtClean="0">
-                <a:solidFill>
-                  <a:srgbClr val="000066"/>
-                </a:solidFill>
-              </a:rPr>
-              <a:t>day</a:t>
-            </a:r>
-          </a:p>
-          <a:p>
-            <a:pPr algn="ctr">
-              <a:buNone/>
-            </a:pPr>
-            <a:r>
-              <a:rPr lang="en-US" sz="4400" b="1" dirty="0" smtClean="0">
-                <a:solidFill>
-                  <a:srgbClr val="000066"/>
-                </a:solidFill>
-              </a:rPr>
-              <a:t>He'll </a:t>
-            </a:r>
-            <a:r>
-              <a:rPr lang="en-US" sz="4400" b="1" dirty="0">
-                <a:solidFill>
-                  <a:srgbClr val="000066"/>
-                </a:solidFill>
-              </a:rPr>
-              <a:t>always lead your </a:t>
-            </a:r>
-            <a:r>
-              <a:rPr lang="en-US" sz="4400" b="1" dirty="0" smtClean="0">
-                <a:solidFill>
-                  <a:srgbClr val="000066"/>
-                </a:solidFill>
-              </a:rPr>
-              <a:t>way</a:t>
-            </a:r>
-          </a:p>
-          <a:p>
-            <a:pPr algn="ctr">
-              <a:buNone/>
-            </a:pPr>
-            <a:r>
-              <a:rPr lang="en-US" sz="4400" b="1" dirty="0" smtClean="0">
-                <a:solidFill>
-                  <a:srgbClr val="000066"/>
-                </a:solidFill>
-              </a:rPr>
-              <a:t>He </a:t>
-            </a:r>
-            <a:r>
-              <a:rPr lang="en-US" sz="4400" b="1" dirty="0">
-                <a:solidFill>
-                  <a:srgbClr val="000066"/>
-                </a:solidFill>
-              </a:rPr>
-              <a:t>will be there for </a:t>
-            </a:r>
-            <a:r>
-              <a:rPr lang="en-US" sz="4400" b="1" dirty="0" smtClean="0">
-                <a:solidFill>
-                  <a:srgbClr val="000066"/>
-                </a:solidFill>
-              </a:rPr>
-              <a:t>you(X2</a:t>
-            </a:r>
-            <a:r>
-              <a:rPr lang="en-US" sz="4400" b="1" dirty="0">
-                <a:solidFill>
-                  <a:srgbClr val="000066"/>
-                </a:solidFill>
-              </a:rPr>
-              <a:t>)</a:t>
-            </a:r>
-            <a:endParaRPr lang="zh-TW" altLang="en-US" sz="4400" b="1" dirty="0">
+              <a:t>喜樂恩典圍繞您</a:t>
+            </a:r>
+            <a:endParaRPr lang="zh-TW" altLang="en-US" sz="4950" b="1" dirty="0">
               <a:solidFill>
                 <a:srgbClr val="000066"/>
               </a:solidFill>
+              <a:latin typeface="微軟正黑體" pitchFamily="34" charset="-120"/>
+              <a:ea typeface="微軟正黑體" pitchFamily="34" charset="-120"/>
             </a:endParaRPr>
           </a:p>
         </p:txBody>
       </p:sp>
+      <p:sp>
+        <p:nvSpPr>
+          <p:cNvPr id="3" name="TextBox 2"/>
+          <p:cNvSpPr txBox="1"/>
+          <p:nvPr/>
+        </p:nvSpPr>
+        <p:spPr>
+          <a:xfrm>
+            <a:off x="0" y="3939903"/>
+            <a:ext cx="9144000" cy="584775"/>
+          </a:xfrm>
+          <a:prstGeom prst="rect">
+            <a:avLst/>
+          </a:prstGeom>
+          <a:noFill/>
+        </p:spPr>
+        <p:txBody>
+          <a:bodyPr wrap="square" rtlCol="0">
+            <a:spAutoFit/>
+          </a:bodyPr>
+          <a:lstStyle/>
+          <a:p>
+            <a:pPr algn="ctr"/>
+            <a:r>
+              <a:rPr lang="en-US" sz="3200" b="1" dirty="0">
+                <a:solidFill>
+                  <a:srgbClr val="000066"/>
+                </a:solidFill>
+                <a:effectLst/>
+                <a:latin typeface="Microsoft JhengHei" panose="020B0604030504040204" pitchFamily="34" charset="-120"/>
+                <a:ea typeface="Microsoft JhengHei" panose="020B0604030504040204" pitchFamily="34" charset="-120"/>
+              </a:rPr>
+              <a:t>( </a:t>
+            </a:r>
+            <a:r>
+              <a:rPr lang="zh-CN" altLang="en-US" sz="3200" b="1" dirty="0">
+                <a:solidFill>
+                  <a:srgbClr val="000066"/>
+                </a:solidFill>
+                <a:effectLst/>
+                <a:latin typeface="Microsoft JhengHei" panose="020B0604030504040204" pitchFamily="34" charset="-120"/>
+                <a:ea typeface="Microsoft JhengHei" panose="020B0604030504040204" pitchFamily="34" charset="-120"/>
+              </a:rPr>
+              <a:t>正</a:t>
+            </a:r>
+            <a:r>
+              <a:rPr lang="en-US" sz="3200" b="1" dirty="0">
+                <a:solidFill>
+                  <a:srgbClr val="000066"/>
+                </a:solidFill>
+                <a:effectLst/>
+                <a:latin typeface="Microsoft JhengHei" panose="020B0604030504040204" pitchFamily="34" charset="-120"/>
+                <a:ea typeface="Microsoft JhengHei" panose="020B0604030504040204" pitchFamily="34" charset="-120"/>
+              </a:rPr>
+              <a:t> </a:t>
+            </a:r>
+            <a:r>
+              <a:rPr lang="en-US" sz="3200" b="1" dirty="0">
+                <a:solidFill>
+                  <a:srgbClr val="000066"/>
+                </a:solidFill>
+                <a:effectLst/>
+                <a:latin typeface="Microsoft JhengHei" panose="020B0604030504040204" pitchFamily="34" charset="-120"/>
+                <a:ea typeface="Microsoft JhengHei" panose="020B0604030504040204" pitchFamily="34" charset="-120"/>
+              </a:rPr>
+              <a:t>)</a:t>
+            </a:r>
+            <a:endParaRPr lang="vi-VN" sz="3200" b="1" dirty="0">
+              <a:solidFill>
+                <a:srgbClr val="000066"/>
+              </a:solidFill>
+              <a:effectLst/>
+              <a:latin typeface="Microsoft JhengHei" panose="020B0604030504040204" pitchFamily="34" charset="-120"/>
+              <a:ea typeface="Microsoft JhengHei" panose="020B0604030504040204" pitchFamily="34" charset="-120"/>
+            </a:endParaRPr>
+          </a:p>
+        </p:txBody>
+      </p:sp>
     </p:spTree>
+    <p:extLst>
+      <p:ext uri="{BB962C8B-B14F-4D97-AF65-F5344CB8AC3E}">
+        <p14:creationId xmlns:p14="http://schemas.microsoft.com/office/powerpoint/2010/main" val="562832240"/>
+      </p:ext>
+    </p:extLst>
   </p:cSld>
   <p:clrMapOvr>
     <a:masterClrMapping/>
   </p:clrMapOvr>
+  <p:timing>
+    <p:tnLst>
+      <p:par>
+        <p:cTn id="1" dur="indefinite" restart="never" nodeType="tmRoot"/>
+      </p:par>
+    </p:tnLst>
+  </p:timing>
+</p:sld>
+</file>
+
+<file path=ppt/slides/slide4.xml><?xml version="1.0" encoding="utf-8"?>
+<p:sld xmlns:a="http://schemas.openxmlformats.org/drawingml/2006/main" xmlns:r="http://schemas.openxmlformats.org/officeDocument/2006/relationships" xmlns:p="http://schemas.openxmlformats.org/presentationml/2006/main">
+  <p:cSld>
+    <p:spTree>
+      <p:nvGrpSpPr>
+        <p:cNvPr id="1" name=""/>
+        <p:cNvGrpSpPr/>
+        <p:nvPr/>
+      </p:nvGrpSpPr>
+      <p:grpSpPr>
+        <a:xfrm>
+          <a:off x="0" y="0"/>
+          <a:ext cx="0" cy="0"/>
+          <a:chOff x="0" y="0"/>
+          <a:chExt cx="0" cy="0"/>
+        </a:xfrm>
+      </p:grpSpPr>
+      <p:sp>
+        <p:nvSpPr>
+          <p:cNvPr id="5" name="內容版面配置區 4"/>
+          <p:cNvSpPr>
+            <a:spLocks noGrp="1"/>
+          </p:cNvSpPr>
+          <p:nvPr>
+            <p:ph idx="1"/>
+          </p:nvPr>
+        </p:nvSpPr>
+        <p:spPr>
+          <a:xfrm>
+            <a:off x="0" y="1563639"/>
+            <a:ext cx="9144000" cy="1803647"/>
+          </a:xfrm>
+        </p:spPr>
+        <p:txBody>
+          <a:bodyPr anchor="ctr">
+            <a:normAutofit/>
+          </a:bodyPr>
+          <a:lstStyle/>
+          <a:p>
+            <a:pPr algn="ctr">
+              <a:buNone/>
+            </a:pPr>
+            <a:r>
+              <a:rPr lang="zh-TW" altLang="en-US" sz="4950" b="1" dirty="0">
+                <a:solidFill>
+                  <a:srgbClr val="000066"/>
+                </a:solidFill>
+                <a:latin typeface="微軟正黑體" pitchFamily="34" charset="-120"/>
+                <a:ea typeface="微軟正黑體" pitchFamily="34" charset="-120"/>
+              </a:rPr>
+              <a:t>願您每天快樂  身心愉快</a:t>
+            </a:r>
+            <a:endParaRPr lang="en-US" altLang="zh-TW" sz="4950" b="1" dirty="0">
+              <a:solidFill>
+                <a:srgbClr val="000066"/>
+              </a:solidFill>
+              <a:latin typeface="微軟正黑體" pitchFamily="34" charset="-120"/>
+              <a:ea typeface="微軟正黑體" pitchFamily="34" charset="-120"/>
+            </a:endParaRPr>
+          </a:p>
+          <a:p>
+            <a:pPr algn="ctr">
+              <a:buNone/>
+            </a:pPr>
+            <a:r>
+              <a:rPr lang="zh-TW" altLang="en-US" sz="4950" b="1" dirty="0">
+                <a:solidFill>
+                  <a:srgbClr val="000066"/>
+                </a:solidFill>
+                <a:latin typeface="微軟正黑體" pitchFamily="34" charset="-120"/>
+                <a:ea typeface="微軟正黑體" pitchFamily="34" charset="-120"/>
+              </a:rPr>
+              <a:t>健康與您常在</a:t>
+            </a:r>
+            <a:endParaRPr lang="en-US" altLang="zh-TW" sz="4950" b="1" dirty="0">
+              <a:solidFill>
+                <a:srgbClr val="000066"/>
+              </a:solidFill>
+              <a:latin typeface="微軟正黑體" pitchFamily="34" charset="-120"/>
+              <a:ea typeface="微軟正黑體" pitchFamily="34" charset="-120"/>
+            </a:endParaRPr>
+          </a:p>
+        </p:txBody>
+      </p:sp>
+      <p:sp>
+        <p:nvSpPr>
+          <p:cNvPr id="3" name="TextBox 2"/>
+          <p:cNvSpPr txBox="1"/>
+          <p:nvPr/>
+        </p:nvSpPr>
+        <p:spPr>
+          <a:xfrm>
+            <a:off x="0" y="3939903"/>
+            <a:ext cx="9144000" cy="584775"/>
+          </a:xfrm>
+          <a:prstGeom prst="rect">
+            <a:avLst/>
+          </a:prstGeom>
+          <a:noFill/>
+        </p:spPr>
+        <p:txBody>
+          <a:bodyPr wrap="square" rtlCol="0">
+            <a:spAutoFit/>
+          </a:bodyPr>
+          <a:lstStyle/>
+          <a:p>
+            <a:pPr algn="ctr"/>
+            <a:r>
+              <a:rPr lang="en-US" sz="3200" b="1" dirty="0">
+                <a:solidFill>
+                  <a:srgbClr val="000066"/>
+                </a:solidFill>
+                <a:effectLst/>
+                <a:latin typeface="Microsoft JhengHei" panose="020B0604030504040204" pitchFamily="34" charset="-120"/>
+                <a:ea typeface="Microsoft JhengHei" panose="020B0604030504040204" pitchFamily="34" charset="-120"/>
+              </a:rPr>
+              <a:t>( </a:t>
+            </a:r>
+            <a:r>
+              <a:rPr lang="zh-CN" altLang="en-US" sz="3200" b="1" dirty="0">
+                <a:solidFill>
+                  <a:srgbClr val="000066"/>
+                </a:solidFill>
+                <a:effectLst/>
+                <a:latin typeface="Microsoft JhengHei" panose="020B0604030504040204" pitchFamily="34" charset="-120"/>
+                <a:ea typeface="Microsoft JhengHei" panose="020B0604030504040204" pitchFamily="34" charset="-120"/>
+              </a:rPr>
+              <a:t>副</a:t>
+            </a:r>
+            <a:r>
+              <a:rPr lang="en-US" sz="3200" b="1" dirty="0">
+                <a:solidFill>
+                  <a:srgbClr val="000066"/>
+                </a:solidFill>
+                <a:effectLst/>
+                <a:latin typeface="Microsoft JhengHei" panose="020B0604030504040204" pitchFamily="34" charset="-120"/>
+                <a:ea typeface="Microsoft JhengHei" panose="020B0604030504040204" pitchFamily="34" charset="-120"/>
+              </a:rPr>
+              <a:t> </a:t>
+            </a:r>
+            <a:r>
+              <a:rPr lang="en-US" sz="3200" b="1" dirty="0">
+                <a:solidFill>
+                  <a:srgbClr val="000066"/>
+                </a:solidFill>
+                <a:effectLst/>
+                <a:latin typeface="Microsoft JhengHei" panose="020B0604030504040204" pitchFamily="34" charset="-120"/>
+                <a:ea typeface="Microsoft JhengHei" panose="020B0604030504040204" pitchFamily="34" charset="-120"/>
+              </a:rPr>
+              <a:t>)</a:t>
+            </a:r>
+            <a:endParaRPr lang="vi-VN" sz="3200" b="1" dirty="0">
+              <a:solidFill>
+                <a:srgbClr val="000066"/>
+              </a:solidFill>
+              <a:effectLst/>
+              <a:latin typeface="Microsoft JhengHei" panose="020B0604030504040204" pitchFamily="34" charset="-120"/>
+              <a:ea typeface="Microsoft JhengHei" panose="020B0604030504040204" pitchFamily="34" charset="-120"/>
+            </a:endParaRPr>
+          </a:p>
+        </p:txBody>
+      </p:sp>
+    </p:spTree>
+    <p:extLst>
+      <p:ext uri="{BB962C8B-B14F-4D97-AF65-F5344CB8AC3E}">
+        <p14:creationId xmlns:p14="http://schemas.microsoft.com/office/powerpoint/2010/main" val="934172386"/>
+      </p:ext>
+    </p:extLst>
+  </p:cSld>
+  <p:clrMapOvr>
+    <a:masterClrMapping/>
+  </p:clrMapOvr>
+  <p:timing>
+    <p:tnLst>
+      <p:par>
+        <p:cTn id="1" dur="indefinite" restart="never" nodeType="tmRoot"/>
+      </p:par>
+    </p:tnLst>
+  </p:timing>
+</p:sld>
+</file>
+
+<file path=ppt/slides/slide5.xml><?xml version="1.0" encoding="utf-8"?>
+<p:sld xmlns:a="http://schemas.openxmlformats.org/drawingml/2006/main" xmlns:r="http://schemas.openxmlformats.org/officeDocument/2006/relationships" xmlns:p="http://schemas.openxmlformats.org/presentationml/2006/main">
+  <p:cSld>
+    <p:spTree>
+      <p:nvGrpSpPr>
+        <p:cNvPr id="1" name=""/>
+        <p:cNvGrpSpPr/>
+        <p:nvPr/>
+      </p:nvGrpSpPr>
+      <p:grpSpPr>
+        <a:xfrm>
+          <a:off x="0" y="0"/>
+          <a:ext cx="0" cy="0"/>
+          <a:chOff x="0" y="0"/>
+          <a:chExt cx="0" cy="0"/>
+        </a:xfrm>
+      </p:grpSpPr>
+      <p:sp>
+        <p:nvSpPr>
+          <p:cNvPr id="5" name="內容版面配置區 4"/>
+          <p:cNvSpPr>
+            <a:spLocks noGrp="1"/>
+          </p:cNvSpPr>
+          <p:nvPr>
+            <p:ph idx="1"/>
+          </p:nvPr>
+        </p:nvSpPr>
+        <p:spPr>
+          <a:xfrm>
+            <a:off x="0" y="1563639"/>
+            <a:ext cx="9144000" cy="1803647"/>
+          </a:xfrm>
+        </p:spPr>
+        <p:txBody>
+          <a:bodyPr anchor="ctr">
+            <a:normAutofit/>
+          </a:bodyPr>
+          <a:lstStyle/>
+          <a:p>
+            <a:pPr algn="ctr">
+              <a:buNone/>
+            </a:pPr>
+            <a:r>
+              <a:rPr lang="zh-TW" altLang="en-US" sz="4950" b="1" dirty="0">
+                <a:solidFill>
+                  <a:srgbClr val="000066"/>
+                </a:solidFill>
+                <a:latin typeface="微軟正黑體" pitchFamily="34" charset="-120"/>
+                <a:ea typeface="微軟正黑體" pitchFamily="34" charset="-120"/>
+              </a:rPr>
+              <a:t>祝福您  福杯滿溢</a:t>
+            </a:r>
+            <a:endParaRPr lang="en-US" altLang="zh-TW" sz="4950" b="1" dirty="0">
+              <a:solidFill>
+                <a:srgbClr val="000066"/>
+              </a:solidFill>
+              <a:latin typeface="微軟正黑體" pitchFamily="34" charset="-120"/>
+              <a:ea typeface="微軟正黑體" pitchFamily="34" charset="-120"/>
+            </a:endParaRPr>
+          </a:p>
+          <a:p>
+            <a:pPr algn="ctr">
+              <a:buNone/>
+            </a:pPr>
+            <a:r>
+              <a:rPr lang="zh-TW" altLang="en-US" sz="4950" b="1" dirty="0">
+                <a:solidFill>
+                  <a:srgbClr val="000066"/>
+                </a:solidFill>
+                <a:latin typeface="微軟正黑體" pitchFamily="34" charset="-120"/>
+                <a:ea typeface="微軟正黑體" pitchFamily="34" charset="-120"/>
+              </a:rPr>
+              <a:t>耶穌永遠陪伴您</a:t>
+            </a:r>
+            <a:endParaRPr lang="zh-TW" altLang="en-US" sz="4950" b="1" dirty="0">
+              <a:solidFill>
+                <a:srgbClr val="000066"/>
+              </a:solidFill>
+              <a:latin typeface="微軟正黑體" pitchFamily="34" charset="-120"/>
+              <a:ea typeface="微軟正黑體" pitchFamily="34" charset="-120"/>
+            </a:endParaRPr>
+          </a:p>
+        </p:txBody>
+      </p:sp>
+      <p:sp>
+        <p:nvSpPr>
+          <p:cNvPr id="3" name="TextBox 2"/>
+          <p:cNvSpPr txBox="1"/>
+          <p:nvPr/>
+        </p:nvSpPr>
+        <p:spPr>
+          <a:xfrm>
+            <a:off x="0" y="3939903"/>
+            <a:ext cx="9144000" cy="584775"/>
+          </a:xfrm>
+          <a:prstGeom prst="rect">
+            <a:avLst/>
+          </a:prstGeom>
+          <a:noFill/>
+        </p:spPr>
+        <p:txBody>
+          <a:bodyPr wrap="square" rtlCol="0">
+            <a:spAutoFit/>
+          </a:bodyPr>
+          <a:lstStyle/>
+          <a:p>
+            <a:pPr algn="ctr"/>
+            <a:r>
+              <a:rPr lang="en-US" sz="3200" b="1" dirty="0">
+                <a:solidFill>
+                  <a:srgbClr val="000066"/>
+                </a:solidFill>
+                <a:effectLst/>
+                <a:latin typeface="Microsoft JhengHei" panose="020B0604030504040204" pitchFamily="34" charset="-120"/>
+                <a:ea typeface="Microsoft JhengHei" panose="020B0604030504040204" pitchFamily="34" charset="-120"/>
+              </a:rPr>
+              <a:t>( </a:t>
+            </a:r>
+            <a:r>
+              <a:rPr lang="zh-CN" altLang="en-US" sz="3200" b="1" dirty="0">
+                <a:solidFill>
+                  <a:srgbClr val="000066"/>
+                </a:solidFill>
+                <a:effectLst/>
+                <a:latin typeface="Microsoft JhengHei" panose="020B0604030504040204" pitchFamily="34" charset="-120"/>
+                <a:ea typeface="Microsoft JhengHei" panose="020B0604030504040204" pitchFamily="34" charset="-120"/>
+              </a:rPr>
+              <a:t>副</a:t>
+            </a:r>
+            <a:r>
+              <a:rPr lang="en-US" sz="3200" b="1" dirty="0">
+                <a:solidFill>
+                  <a:srgbClr val="000066"/>
+                </a:solidFill>
+                <a:effectLst/>
+                <a:latin typeface="Microsoft JhengHei" panose="020B0604030504040204" pitchFamily="34" charset="-120"/>
+                <a:ea typeface="Microsoft JhengHei" panose="020B0604030504040204" pitchFamily="34" charset="-120"/>
+              </a:rPr>
+              <a:t> </a:t>
+            </a:r>
+            <a:r>
+              <a:rPr lang="en-US" sz="3200" b="1" dirty="0">
+                <a:solidFill>
+                  <a:srgbClr val="000066"/>
+                </a:solidFill>
+                <a:effectLst/>
+                <a:latin typeface="Microsoft JhengHei" panose="020B0604030504040204" pitchFamily="34" charset="-120"/>
+                <a:ea typeface="Microsoft JhengHei" panose="020B0604030504040204" pitchFamily="34" charset="-120"/>
+              </a:rPr>
+              <a:t>)</a:t>
+            </a:r>
+            <a:endParaRPr lang="vi-VN" sz="3200" b="1" dirty="0">
+              <a:solidFill>
+                <a:srgbClr val="000066"/>
+              </a:solidFill>
+              <a:effectLst/>
+              <a:latin typeface="Microsoft JhengHei" panose="020B0604030504040204" pitchFamily="34" charset="-120"/>
+              <a:ea typeface="Microsoft JhengHei" panose="020B0604030504040204" pitchFamily="34" charset="-120"/>
+            </a:endParaRPr>
+          </a:p>
+        </p:txBody>
+      </p:sp>
+    </p:spTree>
+    <p:extLst>
+      <p:ext uri="{BB962C8B-B14F-4D97-AF65-F5344CB8AC3E}">
+        <p14:creationId xmlns:p14="http://schemas.microsoft.com/office/powerpoint/2010/main" val="1914653120"/>
+      </p:ext>
+    </p:extLst>
+  </p:cSld>
+  <p:clrMapOvr>
+    <a:masterClrMapping/>
+  </p:clrMapOvr>
+  <p:timing>
+    <p:tnLst>
+      <p:par>
+        <p:cTn id="1" dur="indefinite" restart="never" nodeType="tmRoot"/>
+      </p:par>
+    </p:tnLst>
+  </p:timing>
+</p:sld>
+</file>
+
+<file path=ppt/slides/slide6.xml><?xml version="1.0" encoding="utf-8"?>
+<p:sld xmlns:a="http://schemas.openxmlformats.org/drawingml/2006/main" xmlns:r="http://schemas.openxmlformats.org/officeDocument/2006/relationships" xmlns:p="http://schemas.openxmlformats.org/presentationml/2006/main">
+  <p:cSld>
+    <p:spTree>
+      <p:nvGrpSpPr>
+        <p:cNvPr id="1" name=""/>
+        <p:cNvGrpSpPr/>
+        <p:nvPr/>
+      </p:nvGrpSpPr>
+      <p:grpSpPr>
+        <a:xfrm>
+          <a:off x="0" y="0"/>
+          <a:ext cx="0" cy="0"/>
+          <a:chOff x="0" y="0"/>
+          <a:chExt cx="0" cy="0"/>
+        </a:xfrm>
+      </p:grpSpPr>
+      <p:sp>
+        <p:nvSpPr>
+          <p:cNvPr id="5" name="內容版面配置區 4"/>
+          <p:cNvSpPr>
+            <a:spLocks noGrp="1"/>
+          </p:cNvSpPr>
+          <p:nvPr>
+            <p:ph idx="1"/>
+          </p:nvPr>
+        </p:nvSpPr>
+        <p:spPr>
+          <a:xfrm>
+            <a:off x="0" y="1563639"/>
+            <a:ext cx="9144000" cy="1803647"/>
+          </a:xfrm>
+        </p:spPr>
+        <p:txBody>
+          <a:bodyPr anchor="ctr">
+            <a:noAutofit/>
+          </a:bodyPr>
+          <a:lstStyle/>
+          <a:p>
+            <a:pPr algn="ctr">
+              <a:buNone/>
+            </a:pPr>
+            <a:r>
+              <a:rPr lang="en-US" sz="3000" b="1" dirty="0">
+                <a:solidFill>
+                  <a:srgbClr val="000066"/>
+                </a:solidFill>
+              </a:rPr>
+              <a:t>He'll bless you night &amp; day</a:t>
+            </a:r>
+          </a:p>
+          <a:p>
+            <a:pPr algn="ctr">
+              <a:buNone/>
+            </a:pPr>
+            <a:r>
+              <a:rPr lang="en-US" sz="3000" b="1" dirty="0">
+                <a:solidFill>
+                  <a:srgbClr val="000066"/>
+                </a:solidFill>
+              </a:rPr>
+              <a:t>He'll always lead your way</a:t>
+            </a:r>
+          </a:p>
+          <a:p>
+            <a:pPr algn="ctr">
+              <a:buNone/>
+            </a:pPr>
+            <a:r>
+              <a:rPr lang="en-US" sz="3000" b="1" dirty="0">
+                <a:solidFill>
+                  <a:srgbClr val="000066"/>
+                </a:solidFill>
+              </a:rPr>
+              <a:t>He will be there for you</a:t>
+            </a:r>
+            <a:endParaRPr lang="zh-TW" altLang="en-US" sz="3000" b="1" dirty="0">
+              <a:solidFill>
+                <a:srgbClr val="000066"/>
+              </a:solidFill>
+              <a:latin typeface="微軟正黑體" pitchFamily="34" charset="-120"/>
+              <a:ea typeface="微軟正黑體" pitchFamily="34" charset="-120"/>
+            </a:endParaRPr>
+          </a:p>
+        </p:txBody>
+      </p:sp>
+      <p:sp>
+        <p:nvSpPr>
+          <p:cNvPr id="3" name="TextBox 2"/>
+          <p:cNvSpPr txBox="1"/>
+          <p:nvPr/>
+        </p:nvSpPr>
+        <p:spPr>
+          <a:xfrm>
+            <a:off x="0" y="3939903"/>
+            <a:ext cx="9144000" cy="584775"/>
+          </a:xfrm>
+          <a:prstGeom prst="rect">
+            <a:avLst/>
+          </a:prstGeom>
+          <a:noFill/>
+        </p:spPr>
+        <p:txBody>
+          <a:bodyPr wrap="square" rtlCol="0">
+            <a:spAutoFit/>
+          </a:bodyPr>
+          <a:lstStyle/>
+          <a:p>
+            <a:pPr algn="ctr"/>
+            <a:r>
+              <a:rPr lang="en-US" sz="3200" b="1" dirty="0">
+                <a:solidFill>
+                  <a:srgbClr val="000066"/>
+                </a:solidFill>
+                <a:effectLst/>
+                <a:latin typeface="Microsoft JhengHei" panose="020B0604030504040204" pitchFamily="34" charset="-120"/>
+                <a:ea typeface="Microsoft JhengHei" panose="020B0604030504040204" pitchFamily="34" charset="-120"/>
+              </a:rPr>
+              <a:t>( </a:t>
+            </a:r>
+            <a:r>
+              <a:rPr lang="zh-CN" altLang="en-US" sz="3200" b="1" dirty="0">
+                <a:solidFill>
+                  <a:srgbClr val="000066"/>
+                </a:solidFill>
+                <a:effectLst/>
+                <a:latin typeface="Microsoft JhengHei" panose="020B0604030504040204" pitchFamily="34" charset="-120"/>
+                <a:ea typeface="Microsoft JhengHei" panose="020B0604030504040204" pitchFamily="34" charset="-120"/>
+              </a:rPr>
+              <a:t>橋</a:t>
+            </a:r>
+            <a:r>
+              <a:rPr lang="en-US" sz="3200" b="1" dirty="0">
+                <a:solidFill>
+                  <a:srgbClr val="000066"/>
+                </a:solidFill>
+                <a:effectLst/>
+                <a:latin typeface="Microsoft JhengHei" panose="020B0604030504040204" pitchFamily="34" charset="-120"/>
+                <a:ea typeface="Microsoft JhengHei" panose="020B0604030504040204" pitchFamily="34" charset="-120"/>
+              </a:rPr>
+              <a:t> </a:t>
+            </a:r>
+            <a:r>
+              <a:rPr lang="en-US" sz="3200" b="1" dirty="0">
+                <a:solidFill>
+                  <a:srgbClr val="000066"/>
+                </a:solidFill>
+                <a:effectLst/>
+                <a:latin typeface="Microsoft JhengHei" panose="020B0604030504040204" pitchFamily="34" charset="-120"/>
+                <a:ea typeface="Microsoft JhengHei" panose="020B0604030504040204" pitchFamily="34" charset="-120"/>
+              </a:rPr>
+              <a:t>)</a:t>
+            </a:r>
+            <a:endParaRPr lang="vi-VN" sz="3200" b="1" dirty="0">
+              <a:solidFill>
+                <a:srgbClr val="000066"/>
+              </a:solidFill>
+              <a:effectLst/>
+              <a:latin typeface="Microsoft JhengHei" panose="020B0604030504040204" pitchFamily="34" charset="-120"/>
+              <a:ea typeface="Microsoft JhengHei" panose="020B0604030504040204" pitchFamily="34" charset="-120"/>
+            </a:endParaRPr>
+          </a:p>
+        </p:txBody>
+      </p:sp>
+    </p:spTree>
+    <p:extLst>
+      <p:ext uri="{BB962C8B-B14F-4D97-AF65-F5344CB8AC3E}">
+        <p14:creationId xmlns:p14="http://schemas.microsoft.com/office/powerpoint/2010/main" val="2571449609"/>
+      </p:ext>
+    </p:extLst>
+  </p:cSld>
+  <p:clrMapOvr>
+    <a:masterClrMapping/>
+  </p:clrMapOvr>
+  <p:timing>
+    <p:tnLst>
+      <p:par>
+        <p:cTn id="1" dur="indefinite" restart="never" nodeType="tmRoot"/>
+      </p:par>
+    </p:tnLst>
+  </p:timing>
 </p:sld>
 </file>
 
